--- a/release/imustread/first-grade/First-Grade-Sight-Word-List#1.pptx
+++ b/release/imustread/first-grade/First-Grade-Sight-Word-List#1.pptx
@@ -6650,7 +6650,7 @@
     <p:bg>
       <p:bgPr>
         <a:solidFill>
-          <a:srgbClr val="CFE2F3"/>
+          <a:schemeClr val="lt1"/>
         </a:solidFill>
       </p:bgPr>
     </p:bg>
@@ -6817,7 +6817,7 @@
     <p:bg>
       <p:bgPr>
         <a:solidFill>
-          <a:srgbClr val="CFE2F3"/>
+          <a:schemeClr val="lt1"/>
         </a:solidFill>
       </p:bgPr>
     </p:bg>
@@ -6885,7 +6885,7 @@
     <p:bg>
       <p:bgPr>
         <a:solidFill>
-          <a:srgbClr val="CFE2F3"/>
+          <a:schemeClr val="lt1"/>
         </a:solidFill>
       </p:bgPr>
     </p:bg>
@@ -6953,7 +6953,7 @@
     <p:bg>
       <p:bgPr>
         <a:solidFill>
-          <a:srgbClr val="CFE2F3"/>
+          <a:schemeClr val="lt1"/>
         </a:solidFill>
       </p:bgPr>
     </p:bg>
@@ -7021,7 +7021,7 @@
     <p:bg>
       <p:bgPr>
         <a:solidFill>
-          <a:srgbClr val="CFE2F3"/>
+          <a:schemeClr val="lt1"/>
         </a:solidFill>
       </p:bgPr>
     </p:bg>
@@ -7089,7 +7089,7 @@
     <p:bg>
       <p:bgPr>
         <a:solidFill>
-          <a:srgbClr val="CFE2F3"/>
+          <a:schemeClr val="lt1"/>
         </a:solidFill>
       </p:bgPr>
     </p:bg>
@@ -7157,7 +7157,7 @@
     <p:bg>
       <p:bgPr>
         <a:solidFill>
-          <a:srgbClr val="CFE2F3"/>
+          <a:schemeClr val="lt1"/>
         </a:solidFill>
       </p:bgPr>
     </p:bg>
@@ -7225,7 +7225,7 @@
     <p:bg>
       <p:bgPr>
         <a:solidFill>
-          <a:srgbClr val="CFE2F3"/>
+          <a:schemeClr val="lt1"/>
         </a:solidFill>
       </p:bgPr>
     </p:bg>
@@ -7293,7 +7293,7 @@
     <p:bg>
       <p:bgPr>
         <a:solidFill>
-          <a:srgbClr val="CFE2F3"/>
+          <a:schemeClr val="lt1"/>
         </a:solidFill>
       </p:bgPr>
     </p:bg>
@@ -7361,7 +7361,7 @@
     <p:bg>
       <p:bgPr>
         <a:solidFill>
-          <a:srgbClr val="CFE2F3"/>
+          <a:schemeClr val="lt1"/>
         </a:solidFill>
       </p:bgPr>
     </p:bg>
@@ -7429,7 +7429,7 @@
     <p:bg>
       <p:bgPr>
         <a:solidFill>
-          <a:srgbClr val="CFE2F3"/>
+          <a:schemeClr val="lt1"/>
         </a:solidFill>
       </p:bgPr>
     </p:bg>
@@ -7497,7 +7497,7 @@
     <p:bg>
       <p:bgPr>
         <a:solidFill>
-          <a:srgbClr val="CFE2F3"/>
+          <a:schemeClr val="lt1"/>
         </a:solidFill>
       </p:bgPr>
     </p:bg>
@@ -7781,7 +7781,7 @@
     <p:bg>
       <p:bgPr>
         <a:solidFill>
-          <a:srgbClr val="CFE2F3"/>
+          <a:schemeClr val="lt1"/>
         </a:solidFill>
       </p:bgPr>
     </p:bg>
@@ -7849,7 +7849,7 @@
     <p:bg>
       <p:bgPr>
         <a:solidFill>
-          <a:srgbClr val="CFE2F3"/>
+          <a:schemeClr val="lt1"/>
         </a:solidFill>
       </p:bgPr>
     </p:bg>
@@ -7917,7 +7917,7 @@
     <p:bg>
       <p:bgPr>
         <a:solidFill>
-          <a:srgbClr val="CFE2F3"/>
+          <a:schemeClr val="lt1"/>
         </a:solidFill>
       </p:bgPr>
     </p:bg>
@@ -7985,7 +7985,7 @@
     <p:bg>
       <p:bgPr>
         <a:solidFill>
-          <a:srgbClr val="CFE2F3"/>
+          <a:schemeClr val="lt1"/>
         </a:solidFill>
       </p:bgPr>
     </p:bg>
@@ -8045,7 +8045,7 @@
     <p:bg>
       <p:bgPr>
         <a:solidFill>
-          <a:srgbClr val="CFE2F3"/>
+          <a:schemeClr val="lt1"/>
         </a:solidFill>
       </p:bgPr>
     </p:bg>
@@ -8065,7 +8065,7 @@
       </p:grpSpPr>
       <p:pic>
         <p:nvPicPr>
-          <p:cNvPr descr="Wordlist#1Winner.png" id="180" name="Shape 180"/>
+          <p:cNvPr id="180" name="Shape 180"/>
           <p:cNvPicPr preferRelativeResize="0"/>
           <p:nvPr/>
         </p:nvPicPr>
@@ -8105,7 +8105,7 @@
     <p:bg>
       <p:bgPr>
         <a:solidFill>
-          <a:srgbClr val="CFE2F3"/>
+          <a:schemeClr val="lt1"/>
         </a:solidFill>
       </p:bgPr>
     </p:bg>
@@ -8231,7 +8231,7 @@
     <p:bg>
       <p:bgPr>
         <a:solidFill>
-          <a:srgbClr val="CFE2F3"/>
+          <a:schemeClr val="lt1"/>
         </a:solidFill>
       </p:bgPr>
     </p:bg>
@@ -8299,7 +8299,7 @@
     <p:bg>
       <p:bgPr>
         <a:solidFill>
-          <a:srgbClr val="CFE2F3"/>
+          <a:schemeClr val="lt1"/>
         </a:solidFill>
       </p:bgPr>
     </p:bg>
@@ -8367,7 +8367,7 @@
     <p:bg>
       <p:bgPr>
         <a:solidFill>
-          <a:srgbClr val="CFE2F3"/>
+          <a:schemeClr val="lt1"/>
         </a:solidFill>
       </p:bgPr>
     </p:bg>
@@ -8435,7 +8435,7 @@
     <p:bg>
       <p:bgPr>
         <a:solidFill>
-          <a:srgbClr val="CFE2F3"/>
+          <a:schemeClr val="lt1"/>
         </a:solidFill>
       </p:bgPr>
     </p:bg>
@@ -8503,7 +8503,7 @@
     <p:bg>
       <p:bgPr>
         <a:solidFill>
-          <a:srgbClr val="CFE2F3"/>
+          <a:schemeClr val="lt1"/>
         </a:solidFill>
       </p:bgPr>
     </p:bg>
@@ -8571,7 +8571,7 @@
     <p:bg>
       <p:bgPr>
         <a:solidFill>
-          <a:srgbClr val="CFE2F3"/>
+          <a:schemeClr val="lt1"/>
         </a:solidFill>
       </p:bgPr>
     </p:bg>
@@ -8639,7 +8639,7 @@
     <p:bg>
       <p:bgPr>
         <a:solidFill>
-          <a:srgbClr val="CFE2F3"/>
+          <a:schemeClr val="lt1"/>
         </a:solidFill>
       </p:bgPr>
     </p:bg>
